--- a/Slides/Principle/13 人工智能/13 人工智能.pptx
+++ b/Slides/Principle/13 人工智能/13 人工智能.pptx
@@ -5,7 +5,7 @@
     <p:sldMasterId id="2147483660" r:id="rId1"/>
   </p:sldMasterIdLst>
   <p:notesMasterIdLst>
-    <p:notesMasterId r:id="rId88"/>
+    <p:notesMasterId r:id="rId89"/>
   </p:notesMasterIdLst>
   <p:sldIdLst>
     <p:sldId id="256" r:id="rId2"/>
@@ -94,6 +94,7 @@
     <p:sldId id="342" r:id="rId85"/>
     <p:sldId id="343" r:id="rId86"/>
     <p:sldId id="344" r:id="rId87"/>
+    <p:sldId id="345" r:id="rId88"/>
   </p:sldIdLst>
   <p:sldSz cx="9144000" cy="5143500" type="screen16x9"/>
   <p:notesSz cx="6858000" cy="9144000"/>
@@ -277,7 +278,7 @@
           <a:p>
             <a:fld id="{4912D022-F325-45EB-8B36-7268022A5440}" type="datetimeFigureOut">
               <a:rPr lang="zh-CN" altLang="en-US" smtClean="0"/>
-              <a:t>2018/4/20</a:t>
+              <a:t>2019/5/8</a:t>
             </a:fld>
             <a:endParaRPr lang="zh-CN" altLang="en-US"/>
           </a:p>
@@ -1032,7 +1033,7 @@
           <a:p>
             <a:fld id="{530820CF-B880-4189-942D-D702A7CBA730}" type="datetimeFigureOut">
               <a:rPr lang="zh-CN" altLang="en-US" smtClean="0"/>
-              <a:t>2018/4/20</a:t>
+              <a:t>2019/5/8</a:t>
             </a:fld>
             <a:endParaRPr lang="zh-CN" altLang="en-US"/>
           </a:p>
@@ -1254,7 +1255,7 @@
           <a:p>
             <a:fld id="{530820CF-B880-4189-942D-D702A7CBA730}" type="datetimeFigureOut">
               <a:rPr lang="zh-CN" altLang="en-US" smtClean="0"/>
-              <a:t>2018/4/20</a:t>
+              <a:t>2019/5/8</a:t>
             </a:fld>
             <a:endParaRPr lang="zh-CN" altLang="en-US"/>
           </a:p>
@@ -1522,7 +1523,7 @@
           <a:p>
             <a:fld id="{530820CF-B880-4189-942D-D702A7CBA730}" type="datetimeFigureOut">
               <a:rPr lang="zh-CN" altLang="en-US" smtClean="0"/>
-              <a:t>2018/4/20</a:t>
+              <a:t>2019/5/8</a:t>
             </a:fld>
             <a:endParaRPr lang="zh-CN" altLang="en-US"/>
           </a:p>
@@ -1772,7 +1773,7 @@
           <a:p>
             <a:fld id="{530820CF-B880-4189-942D-D702A7CBA730}" type="datetimeFigureOut">
               <a:rPr lang="zh-CN" altLang="en-US" smtClean="0"/>
-              <a:t>2018/4/20</a:t>
+              <a:t>2019/5/8</a:t>
             </a:fld>
             <a:endParaRPr lang="zh-CN" altLang="en-US"/>
           </a:p>
@@ -2031,7 +2032,7 @@
           <a:p>
             <a:fld id="{530820CF-B880-4189-942D-D702A7CBA730}" type="datetimeFigureOut">
               <a:rPr lang="zh-CN" altLang="en-US" smtClean="0"/>
-              <a:t>2018/4/20</a:t>
+              <a:t>2019/5/8</a:t>
             </a:fld>
             <a:endParaRPr lang="zh-CN" altLang="en-US"/>
           </a:p>
@@ -2396,7 +2397,7 @@
           <a:p>
             <a:fld id="{530820CF-B880-4189-942D-D702A7CBA730}" type="datetimeFigureOut">
               <a:rPr lang="zh-CN" altLang="en-US" smtClean="0"/>
-              <a:t>2018/4/20</a:t>
+              <a:t>2019/5/8</a:t>
             </a:fld>
             <a:endParaRPr lang="zh-CN" altLang="en-US"/>
           </a:p>
@@ -2894,7 +2895,7 @@
           <a:p>
             <a:fld id="{530820CF-B880-4189-942D-D702A7CBA730}" type="datetimeFigureOut">
               <a:rPr lang="zh-CN" altLang="en-US" smtClean="0"/>
-              <a:t>2018/4/20</a:t>
+              <a:t>2019/5/8</a:t>
             </a:fld>
             <a:endParaRPr lang="zh-CN" altLang="en-US"/>
           </a:p>
@@ -3088,7 +3089,7 @@
           <a:p>
             <a:fld id="{530820CF-B880-4189-942D-D702A7CBA730}" type="datetimeFigureOut">
               <a:rPr lang="zh-CN" altLang="en-US" smtClean="0"/>
-              <a:t>2018/4/20</a:t>
+              <a:t>2019/5/8</a:t>
             </a:fld>
             <a:endParaRPr lang="zh-CN" altLang="en-US"/>
           </a:p>
@@ -3259,7 +3260,7 @@
           <a:p>
             <a:fld id="{530820CF-B880-4189-942D-D702A7CBA730}" type="datetimeFigureOut">
               <a:rPr lang="zh-CN" altLang="en-US" smtClean="0"/>
-              <a:t>2018/4/20</a:t>
+              <a:t>2019/5/8</a:t>
             </a:fld>
             <a:endParaRPr lang="zh-CN" altLang="en-US"/>
           </a:p>
@@ -3659,7 +3660,7 @@
           <a:p>
             <a:fld id="{530820CF-B880-4189-942D-D702A7CBA730}" type="datetimeFigureOut">
               <a:rPr lang="zh-CN" altLang="en-US" smtClean="0"/>
-              <a:t>2018/4/20</a:t>
+              <a:t>2019/5/8</a:t>
             </a:fld>
             <a:endParaRPr lang="zh-CN" altLang="en-US"/>
           </a:p>
@@ -4039,7 +4040,7 @@
           <a:p>
             <a:fld id="{530820CF-B880-4189-942D-D702A7CBA730}" type="datetimeFigureOut">
               <a:rPr lang="zh-CN" altLang="en-US" smtClean="0"/>
-              <a:t>2018/4/20</a:t>
+              <a:t>2019/5/8</a:t>
             </a:fld>
             <a:endParaRPr lang="zh-CN" altLang="en-US"/>
           </a:p>
@@ -4313,7 +4314,7 @@
           <a:p>
             <a:fld id="{530820CF-B880-4189-942D-D702A7CBA730}" type="datetimeFigureOut">
               <a:rPr lang="zh-CN" altLang="en-US" smtClean="0"/>
-              <a:t>2018/4/20</a:t>
+              <a:t>2019/5/8</a:t>
             </a:fld>
             <a:endParaRPr lang="zh-CN" altLang="en-US"/>
           </a:p>
@@ -4830,6 +4831,21 @@
   <p:clrMapOvr>
     <a:masterClrMapping/>
   </p:clrMapOvr>
+  <mc:AlternateContent xmlns:mc="http://schemas.openxmlformats.org/markup-compatibility/2006">
+    <mc:Choice xmlns:p14="http://schemas.microsoft.com/office/powerpoint/2010/main" Requires="p14">
+      <p:transition spd="slow" p14:dur="999"/>
+    </mc:Choice>
+    <mc:Fallback>
+      <p:transition spd="slow"/>
+    </mc:Fallback>
+  </mc:AlternateContent>
+  <p:timing>
+    <p:tnLst>
+      <p:par>
+        <p:cTn id="1" dur="indefinite" restart="never" nodeType="tmRoot"/>
+      </p:par>
+    </p:tnLst>
+  </p:timing>
 </p:sld>
 </file>
 
@@ -4942,6 +4958,13 @@
   <p:clrMapOvr>
     <a:masterClrMapping/>
   </p:clrMapOvr>
+  <p:timing>
+    <p:tnLst>
+      <p:par>
+        <p:cTn id="1" dur="indefinite" restart="never" nodeType="tmRoot"/>
+      </p:par>
+    </p:tnLst>
+  </p:timing>
 </p:sld>
 </file>
 
@@ -5078,6 +5101,13 @@
   <p:clrMapOvr>
     <a:masterClrMapping/>
   </p:clrMapOvr>
+  <p:timing>
+    <p:tnLst>
+      <p:par>
+        <p:cTn id="1" dur="indefinite" restart="never" nodeType="tmRoot"/>
+      </p:par>
+    </p:tnLst>
+  </p:timing>
 </p:sld>
 </file>
 
@@ -5168,6 +5198,13 @@
   <p:clrMapOvr>
     <a:masterClrMapping/>
   </p:clrMapOvr>
+  <p:timing>
+    <p:tnLst>
+      <p:par>
+        <p:cTn id="1" dur="indefinite" restart="never" nodeType="tmRoot"/>
+      </p:par>
+    </p:tnLst>
+  </p:timing>
 </p:sld>
 </file>
 
@@ -5298,6 +5335,13 @@
   <p:clrMapOvr>
     <a:masterClrMapping/>
   </p:clrMapOvr>
+  <p:timing>
+    <p:tnLst>
+      <p:par>
+        <p:cTn id="1" dur="indefinite" restart="never" nodeType="tmRoot"/>
+      </p:par>
+    </p:tnLst>
+  </p:timing>
 </p:sld>
 </file>
 
@@ -5438,6 +5482,13 @@
   <p:clrMapOvr>
     <a:masterClrMapping/>
   </p:clrMapOvr>
+  <p:timing>
+    <p:tnLst>
+      <p:par>
+        <p:cTn id="1" dur="indefinite" restart="never" nodeType="tmRoot"/>
+      </p:par>
+    </p:tnLst>
+  </p:timing>
 </p:sld>
 </file>
 
@@ -5616,6 +5667,13 @@
   <p:clrMapOvr>
     <a:masterClrMapping/>
   </p:clrMapOvr>
+  <p:timing>
+    <p:tnLst>
+      <p:par>
+        <p:cTn id="1" dur="indefinite" restart="never" nodeType="tmRoot"/>
+      </p:par>
+    </p:tnLst>
+  </p:timing>
 </p:sld>
 </file>
 
@@ -5729,6 +5787,13 @@
   <p:clrMapOvr>
     <a:masterClrMapping/>
   </p:clrMapOvr>
+  <p:timing>
+    <p:tnLst>
+      <p:par>
+        <p:cTn id="1" dur="indefinite" restart="never" nodeType="tmRoot"/>
+      </p:par>
+    </p:tnLst>
+  </p:timing>
 </p:sld>
 </file>
 
@@ -5836,6 +5901,13 @@
   <p:clrMapOvr>
     <a:masterClrMapping/>
   </p:clrMapOvr>
+  <p:timing>
+    <p:tnLst>
+      <p:par>
+        <p:cTn id="1" dur="indefinite" restart="never" nodeType="tmRoot"/>
+      </p:par>
+    </p:tnLst>
+  </p:timing>
 </p:sld>
 </file>
 
@@ -5968,6 +6040,13 @@
   <p:clrMapOvr>
     <a:masterClrMapping/>
   </p:clrMapOvr>
+  <p:timing>
+    <p:tnLst>
+      <p:par>
+        <p:cTn id="1" dur="indefinite" restart="never" nodeType="tmRoot"/>
+      </p:par>
+    </p:tnLst>
+  </p:timing>
 </p:sld>
 </file>
 
@@ -6100,6 +6179,13 @@
   <p:clrMapOvr>
     <a:masterClrMapping/>
   </p:clrMapOvr>
+  <p:timing>
+    <p:tnLst>
+      <p:par>
+        <p:cTn id="1" dur="indefinite" restart="never" nodeType="tmRoot"/>
+      </p:par>
+    </p:tnLst>
+  </p:timing>
 </p:sld>
 </file>
 
@@ -6241,6 +6327,13 @@
   <p:clrMapOvr>
     <a:masterClrMapping/>
   </p:clrMapOvr>
+  <p:timing>
+    <p:tnLst>
+      <p:par>
+        <p:cTn id="1" dur="indefinite" restart="never" nodeType="tmRoot"/>
+      </p:par>
+    </p:tnLst>
+  </p:timing>
 </p:sld>
 </file>
 
@@ -6371,6 +6464,13 @@
   <p:clrMapOvr>
     <a:masterClrMapping/>
   </p:clrMapOvr>
+  <p:timing>
+    <p:tnLst>
+      <p:par>
+        <p:cTn id="1" dur="indefinite" restart="never" nodeType="tmRoot"/>
+      </p:par>
+    </p:tnLst>
+  </p:timing>
 </p:sld>
 </file>
 
@@ -6493,6 +6593,13 @@
   <p:clrMapOvr>
     <a:masterClrMapping/>
   </p:clrMapOvr>
+  <p:timing>
+    <p:tnLst>
+      <p:par>
+        <p:cTn id="1" dur="indefinite" restart="never" nodeType="tmRoot"/>
+      </p:par>
+    </p:tnLst>
+  </p:timing>
 </p:sld>
 </file>
 
@@ -6624,6 +6731,13 @@
   <p:clrMapOvr>
     <a:masterClrMapping/>
   </p:clrMapOvr>
+  <p:timing>
+    <p:tnLst>
+      <p:par>
+        <p:cTn id="1" dur="indefinite" restart="never" nodeType="tmRoot"/>
+      </p:par>
+    </p:tnLst>
+  </p:timing>
 </p:sld>
 </file>
 
@@ -6756,6 +6870,13 @@
   <p:clrMapOvr>
     <a:masterClrMapping/>
   </p:clrMapOvr>
+  <p:timing>
+    <p:tnLst>
+      <p:par>
+        <p:cTn id="1" dur="indefinite" restart="never" nodeType="tmRoot"/>
+      </p:par>
+    </p:tnLst>
+  </p:timing>
 </p:sld>
 </file>
 
@@ -6909,6 +7030,13 @@
   <p:clrMapOvr>
     <a:masterClrMapping/>
   </p:clrMapOvr>
+  <p:timing>
+    <p:tnLst>
+      <p:par>
+        <p:cTn id="1" dur="indefinite" restart="never" nodeType="tmRoot"/>
+      </p:par>
+    </p:tnLst>
+  </p:timing>
 </p:sld>
 </file>
 
@@ -7017,6 +7145,13 @@
   <p:clrMapOvr>
     <a:masterClrMapping/>
   </p:clrMapOvr>
+  <p:timing>
+    <p:tnLst>
+      <p:par>
+        <p:cTn id="1" dur="indefinite" restart="never" nodeType="tmRoot"/>
+      </p:par>
+    </p:tnLst>
+  </p:timing>
 </p:sld>
 </file>
 
@@ -7101,25 +7236,6 @@
       </p:pic>
       <p:sp>
         <p:nvSpPr>
-          <p:cNvPr id="2" name="标题 1"/>
-          <p:cNvSpPr>
-            <a:spLocks noGrp="1"/>
-          </p:cNvSpPr>
-          <p:nvPr>
-            <p:ph type="title"/>
-          </p:nvPr>
-        </p:nvSpPr>
-        <p:spPr/>
-        <p:txBody>
-          <a:bodyPr/>
-          <a:lstStyle/>
-          <a:p>
-            <a:endParaRPr lang="zh-CN" altLang="en-US"/>
-          </a:p>
-        </p:txBody>
-      </p:sp>
-      <p:sp>
-        <p:nvSpPr>
           <p:cNvPr id="3" name="内容占位符 2"/>
           <p:cNvSpPr>
             <a:spLocks noGrp="1"/>
@@ -7190,6 +7306,13 @@
   <p:clrMapOvr>
     <a:masterClrMapping/>
   </p:clrMapOvr>
+  <p:timing>
+    <p:tnLst>
+      <p:par>
+        <p:cTn id="1" dur="indefinite" restart="never" nodeType="tmRoot"/>
+      </p:par>
+    </p:tnLst>
+  </p:timing>
 </p:sld>
 </file>
 
@@ -7323,6 +7446,13 @@
   <p:clrMapOvr>
     <a:masterClrMapping/>
   </p:clrMapOvr>
+  <p:timing>
+    <p:tnLst>
+      <p:par>
+        <p:cTn id="1" dur="indefinite" restart="never" nodeType="tmRoot"/>
+      </p:par>
+    </p:tnLst>
+  </p:timing>
 </p:sld>
 </file>
 
@@ -7455,6 +7585,13 @@
   <p:clrMapOvr>
     <a:masterClrMapping/>
   </p:clrMapOvr>
+  <p:timing>
+    <p:tnLst>
+      <p:par>
+        <p:cTn id="1" dur="indefinite" restart="never" nodeType="tmRoot"/>
+      </p:par>
+    </p:tnLst>
+  </p:timing>
 </p:sld>
 </file>
 
@@ -7591,6 +7728,13 @@
   <p:clrMapOvr>
     <a:masterClrMapping/>
   </p:clrMapOvr>
+  <p:timing>
+    <p:tnLst>
+      <p:par>
+        <p:cTn id="1" dur="indefinite" restart="never" nodeType="tmRoot"/>
+      </p:par>
+    </p:tnLst>
+  </p:timing>
 </p:sld>
 </file>
 
@@ -7695,6 +7839,13 @@
   <p:clrMapOvr>
     <a:masterClrMapping/>
   </p:clrMapOvr>
+  <p:timing>
+    <p:tnLst>
+      <p:par>
+        <p:cTn id="1" dur="indefinite" restart="never" nodeType="tmRoot"/>
+      </p:par>
+    </p:tnLst>
+  </p:timing>
 </p:sld>
 </file>
 
@@ -7846,6 +7997,13 @@
   <p:clrMapOvr>
     <a:masterClrMapping/>
   </p:clrMapOvr>
+  <p:timing>
+    <p:tnLst>
+      <p:par>
+        <p:cTn id="1" dur="indefinite" restart="never" nodeType="tmRoot"/>
+      </p:par>
+    </p:tnLst>
+  </p:timing>
 </p:sld>
 </file>
 
@@ -7992,6 +8150,13 @@
   <p:clrMapOvr>
     <a:masterClrMapping/>
   </p:clrMapOvr>
+  <p:timing>
+    <p:tnLst>
+      <p:par>
+        <p:cTn id="1" dur="indefinite" restart="never" nodeType="tmRoot"/>
+      </p:par>
+    </p:tnLst>
+  </p:timing>
 </p:sld>
 </file>
 
@@ -8068,6 +8233,13 @@
   <p:clrMapOvr>
     <a:masterClrMapping/>
   </p:clrMapOvr>
+  <p:timing>
+    <p:tnLst>
+      <p:par>
+        <p:cTn id="1" dur="indefinite" restart="never" nodeType="tmRoot"/>
+      </p:par>
+    </p:tnLst>
+  </p:timing>
 </p:sld>
 </file>
 
@@ -8330,6 +8502,13 @@
   <p:clrMapOvr>
     <a:masterClrMapping/>
   </p:clrMapOvr>
+  <p:timing>
+    <p:tnLst>
+      <p:par>
+        <p:cTn id="1" dur="indefinite" restart="never" nodeType="tmRoot"/>
+      </p:par>
+    </p:tnLst>
+  </p:timing>
 </p:sld>
 </file>
 
@@ -8480,6 +8659,13 @@
   <p:clrMapOvr>
     <a:masterClrMapping/>
   </p:clrMapOvr>
+  <p:timing>
+    <p:tnLst>
+      <p:par>
+        <p:cTn id="1" dur="indefinite" restart="never" nodeType="tmRoot"/>
+      </p:par>
+    </p:tnLst>
+  </p:timing>
 </p:sld>
 </file>
 
@@ -8610,6 +8796,13 @@
   <p:clrMapOvr>
     <a:masterClrMapping/>
   </p:clrMapOvr>
+  <p:timing>
+    <p:tnLst>
+      <p:par>
+        <p:cTn id="1" dur="indefinite" restart="never" nodeType="tmRoot"/>
+      </p:par>
+    </p:tnLst>
+  </p:timing>
 </p:sld>
 </file>
 
@@ -8742,6 +8935,13 @@
   <p:clrMapOvr>
     <a:masterClrMapping/>
   </p:clrMapOvr>
+  <p:timing>
+    <p:tnLst>
+      <p:par>
+        <p:cTn id="1" dur="indefinite" restart="never" nodeType="tmRoot"/>
+      </p:par>
+    </p:tnLst>
+  </p:timing>
 </p:sld>
 </file>
 
@@ -8987,6 +9187,13 @@
   <p:clrMapOvr>
     <a:masterClrMapping/>
   </p:clrMapOvr>
+  <p:timing>
+    <p:tnLst>
+      <p:par>
+        <p:cTn id="1" dur="indefinite" restart="never" nodeType="tmRoot"/>
+      </p:par>
+    </p:tnLst>
+  </p:timing>
 </p:sld>
 </file>
 
@@ -9076,6 +9283,13 @@
   <p:clrMapOvr>
     <a:masterClrMapping/>
   </p:clrMapOvr>
+  <p:timing>
+    <p:tnLst>
+      <p:par>
+        <p:cTn id="1" dur="indefinite" restart="never" nodeType="tmRoot"/>
+      </p:par>
+    </p:tnLst>
+  </p:timing>
 </p:sld>
 </file>
 
@@ -9203,6 +9417,13 @@
   <p:clrMapOvr>
     <a:masterClrMapping/>
   </p:clrMapOvr>
+  <p:timing>
+    <p:tnLst>
+      <p:par>
+        <p:cTn id="1" dur="indefinite" restart="never" nodeType="tmRoot"/>
+      </p:par>
+    </p:tnLst>
+  </p:timing>
 </p:sld>
 </file>
 
@@ -9357,6 +9578,13 @@
   <p:clrMapOvr>
     <a:masterClrMapping/>
   </p:clrMapOvr>
+  <p:timing>
+    <p:tnLst>
+      <p:par>
+        <p:cTn id="1" dur="indefinite" restart="never" nodeType="tmRoot"/>
+      </p:par>
+    </p:tnLst>
+  </p:timing>
 </p:sld>
 </file>
 
@@ -9619,6 +9847,13 @@
   <p:clrMapOvr>
     <a:masterClrMapping/>
   </p:clrMapOvr>
+  <p:timing>
+    <p:tnLst>
+      <p:par>
+        <p:cTn id="1" dur="indefinite" restart="never" nodeType="tmRoot"/>
+      </p:par>
+    </p:tnLst>
+  </p:timing>
 </p:sld>
 </file>
 
@@ -9783,6 +10018,13 @@
   <p:clrMapOvr>
     <a:masterClrMapping/>
   </p:clrMapOvr>
+  <p:timing>
+    <p:tnLst>
+      <p:par>
+        <p:cTn id="1" dur="indefinite" restart="never" nodeType="tmRoot"/>
+      </p:par>
+    </p:tnLst>
+  </p:timing>
 </p:sld>
 </file>
 
@@ -9916,6 +10158,13 @@
   <p:clrMapOvr>
     <a:masterClrMapping/>
   </p:clrMapOvr>
+  <p:timing>
+    <p:tnLst>
+      <p:par>
+        <p:cTn id="1" dur="indefinite" restart="never" nodeType="tmRoot"/>
+      </p:par>
+    </p:tnLst>
+  </p:timing>
 </p:sld>
 </file>
 
@@ -10048,6 +10297,13 @@
   <p:clrMapOvr>
     <a:masterClrMapping/>
   </p:clrMapOvr>
+  <p:timing>
+    <p:tnLst>
+      <p:par>
+        <p:cTn id="1" dur="indefinite" restart="never" nodeType="tmRoot"/>
+      </p:par>
+    </p:tnLst>
+  </p:timing>
 </p:sld>
 </file>
 
@@ -10164,6 +10420,13 @@
   <p:clrMapOvr>
     <a:masterClrMapping/>
   </p:clrMapOvr>
+  <p:timing>
+    <p:tnLst>
+      <p:par>
+        <p:cTn id="1" dur="indefinite" restart="never" nodeType="tmRoot"/>
+      </p:par>
+    </p:tnLst>
+  </p:timing>
 </p:sld>
 </file>
 
@@ -10479,6 +10742,13 @@
   <p:clrMapOvr>
     <a:masterClrMapping/>
   </p:clrMapOvr>
+  <p:timing>
+    <p:tnLst>
+      <p:par>
+        <p:cTn id="1" dur="indefinite" restart="never" nodeType="tmRoot"/>
+      </p:par>
+    </p:tnLst>
+  </p:timing>
 </p:sld>
 </file>
 
@@ -10623,6 +10893,13 @@
   <p:clrMapOvr>
     <a:masterClrMapping/>
   </p:clrMapOvr>
+  <p:timing>
+    <p:tnLst>
+      <p:par>
+        <p:cTn id="1" dur="indefinite" restart="never" nodeType="tmRoot"/>
+      </p:par>
+    </p:tnLst>
+  </p:timing>
 </p:sld>
 </file>
 
@@ -10737,6 +11014,13 @@
   <p:clrMapOvr>
     <a:masterClrMapping/>
   </p:clrMapOvr>
+  <p:timing>
+    <p:tnLst>
+      <p:par>
+        <p:cTn id="1" dur="indefinite" restart="never" nodeType="tmRoot"/>
+      </p:par>
+    </p:tnLst>
+  </p:timing>
 </p:sld>
 </file>
 
@@ -10917,6 +11201,13 @@
   <p:clrMapOvr>
     <a:masterClrMapping/>
   </p:clrMapOvr>
+  <p:timing>
+    <p:tnLst>
+      <p:par>
+        <p:cTn id="1" dur="indefinite" restart="never" nodeType="tmRoot"/>
+      </p:par>
+    </p:tnLst>
+  </p:timing>
 </p:sld>
 </file>
 
@@ -11105,6 +11396,13 @@
   <p:clrMapOvr>
     <a:masterClrMapping/>
   </p:clrMapOvr>
+  <p:timing>
+    <p:tnLst>
+      <p:par>
+        <p:cTn id="1" dur="indefinite" restart="never" nodeType="tmRoot"/>
+      </p:par>
+    </p:tnLst>
+  </p:timing>
 </p:sld>
 </file>
 
@@ -11259,6 +11557,13 @@
   <p:clrMapOvr>
     <a:masterClrMapping/>
   </p:clrMapOvr>
+  <p:timing>
+    <p:tnLst>
+      <p:par>
+        <p:cTn id="1" dur="indefinite" restart="never" nodeType="tmRoot"/>
+      </p:par>
+    </p:tnLst>
+  </p:timing>
 </p:sld>
 </file>
 
@@ -11520,6 +11825,13 @@
   <p:clrMapOvr>
     <a:masterClrMapping/>
   </p:clrMapOvr>
+  <p:timing>
+    <p:tnLst>
+      <p:par>
+        <p:cTn id="1" dur="indefinite" restart="never" nodeType="tmRoot"/>
+      </p:par>
+    </p:tnLst>
+  </p:timing>
 </p:sld>
 </file>
 
@@ -11705,6 +12017,13 @@
   <p:clrMapOvr>
     <a:masterClrMapping/>
   </p:clrMapOvr>
+  <p:timing>
+    <p:tnLst>
+      <p:par>
+        <p:cTn id="1" dur="indefinite" restart="never" nodeType="tmRoot"/>
+      </p:par>
+    </p:tnLst>
+  </p:timing>
 </p:sld>
 </file>
 
@@ -11967,6 +12286,13 @@
   <p:clrMapOvr>
     <a:masterClrMapping/>
   </p:clrMapOvr>
+  <p:timing>
+    <p:tnLst>
+      <p:par>
+        <p:cTn id="1" dur="indefinite" restart="never" nodeType="tmRoot"/>
+      </p:par>
+    </p:tnLst>
+  </p:timing>
 </p:sld>
 </file>
 
@@ -12113,6 +12439,13 @@
   <p:clrMapOvr>
     <a:masterClrMapping/>
   </p:clrMapOvr>
+  <p:timing>
+    <p:tnLst>
+      <p:par>
+        <p:cTn id="1" dur="indefinite" restart="never" nodeType="tmRoot"/>
+      </p:par>
+    </p:tnLst>
+  </p:timing>
 </p:sld>
 </file>
 
@@ -12246,6 +12579,13 @@
   <p:clrMapOvr>
     <a:masterClrMapping/>
   </p:clrMapOvr>
+  <p:timing>
+    <p:tnLst>
+      <p:par>
+        <p:cTn id="1" dur="indefinite" restart="never" nodeType="tmRoot"/>
+      </p:par>
+    </p:tnLst>
+  </p:timing>
 </p:sld>
 </file>
 
@@ -12410,6 +12750,13 @@
   <p:clrMapOvr>
     <a:masterClrMapping/>
   </p:clrMapOvr>
+  <p:timing>
+    <p:tnLst>
+      <p:par>
+        <p:cTn id="1" dur="indefinite" restart="never" nodeType="tmRoot"/>
+      </p:par>
+    </p:tnLst>
+  </p:timing>
 </p:sld>
 </file>
 
@@ -12672,6 +13019,13 @@
   <p:clrMapOvr>
     <a:masterClrMapping/>
   </p:clrMapOvr>
+  <p:timing>
+    <p:tnLst>
+      <p:par>
+        <p:cTn id="1" dur="indefinite" restart="never" nodeType="tmRoot"/>
+      </p:par>
+    </p:tnLst>
+  </p:timing>
 </p:sld>
 </file>
 
@@ -12942,6 +13296,13 @@
   <p:clrMapOvr>
     <a:masterClrMapping/>
   </p:clrMapOvr>
+  <p:timing>
+    <p:tnLst>
+      <p:par>
+        <p:cTn id="1" dur="indefinite" restart="never" nodeType="tmRoot"/>
+      </p:par>
+    </p:tnLst>
+  </p:timing>
 </p:sld>
 </file>
 
@@ -13067,6 +13428,13 @@
   <p:clrMapOvr>
     <a:masterClrMapping/>
   </p:clrMapOvr>
+  <p:timing>
+    <p:tnLst>
+      <p:par>
+        <p:cTn id="1" dur="indefinite" restart="never" nodeType="tmRoot"/>
+      </p:par>
+    </p:tnLst>
+  </p:timing>
 </p:sld>
 </file>
 
@@ -13214,6 +13582,13 @@
   <p:clrMapOvr>
     <a:masterClrMapping/>
   </p:clrMapOvr>
+  <p:timing>
+    <p:tnLst>
+      <p:par>
+        <p:cTn id="1" dur="indefinite" restart="never" nodeType="tmRoot"/>
+      </p:par>
+    </p:tnLst>
+  </p:timing>
 </p:sld>
 </file>
 
@@ -13363,6 +13738,13 @@
   <p:clrMapOvr>
     <a:masterClrMapping/>
   </p:clrMapOvr>
+  <p:timing>
+    <p:tnLst>
+      <p:par>
+        <p:cTn id="1" dur="indefinite" restart="never" nodeType="tmRoot"/>
+      </p:par>
+    </p:tnLst>
+  </p:timing>
 </p:sld>
 </file>
 
@@ -13454,6 +13836,13 @@
   <p:clrMapOvr>
     <a:masterClrMapping/>
   </p:clrMapOvr>
+  <p:timing>
+    <p:tnLst>
+      <p:par>
+        <p:cTn id="1" dur="indefinite" restart="never" nodeType="tmRoot"/>
+      </p:par>
+    </p:tnLst>
+  </p:timing>
 </p:sld>
 </file>
 
@@ -13570,6 +13959,13 @@
   <p:clrMapOvr>
     <a:masterClrMapping/>
   </p:clrMapOvr>
+  <p:timing>
+    <p:tnLst>
+      <p:par>
+        <p:cTn id="1" dur="indefinite" restart="never" nodeType="tmRoot"/>
+      </p:par>
+    </p:tnLst>
+  </p:timing>
 </p:sld>
 </file>
 
@@ -13702,6 +14098,13 @@
   <p:clrMapOvr>
     <a:masterClrMapping/>
   </p:clrMapOvr>
+  <p:timing>
+    <p:tnLst>
+      <p:par>
+        <p:cTn id="1" dur="indefinite" restart="never" nodeType="tmRoot"/>
+      </p:par>
+    </p:tnLst>
+  </p:timing>
 </p:sld>
 </file>
 
@@ -13795,6 +14198,13 @@
   <p:clrMapOvr>
     <a:masterClrMapping/>
   </p:clrMapOvr>
+  <p:timing>
+    <p:tnLst>
+      <p:par>
+        <p:cTn id="1" dur="indefinite" restart="never" nodeType="tmRoot"/>
+      </p:par>
+    </p:tnLst>
+  </p:timing>
 </p:sld>
 </file>
 
@@ -13927,6 +14337,13 @@
   <p:clrMapOvr>
     <a:masterClrMapping/>
   </p:clrMapOvr>
+  <p:timing>
+    <p:tnLst>
+      <p:par>
+        <p:cTn id="1" dur="indefinite" restart="never" nodeType="tmRoot"/>
+      </p:par>
+    </p:tnLst>
+  </p:timing>
 </p:sld>
 </file>
 
@@ -14034,6 +14451,13 @@
   <p:clrMapOvr>
     <a:masterClrMapping/>
   </p:clrMapOvr>
+  <p:timing>
+    <p:tnLst>
+      <p:par>
+        <p:cTn id="1" dur="indefinite" restart="never" nodeType="tmRoot"/>
+      </p:par>
+    </p:tnLst>
+  </p:timing>
 </p:sld>
 </file>
 
@@ -14166,6 +14590,13 @@
   <p:clrMapOvr>
     <a:masterClrMapping/>
   </p:clrMapOvr>
+  <p:timing>
+    <p:tnLst>
+      <p:par>
+        <p:cTn id="1" dur="indefinite" restart="never" nodeType="tmRoot"/>
+      </p:par>
+    </p:tnLst>
+  </p:timing>
 </p:sld>
 </file>
 
@@ -14342,6 +14773,13 @@
   <p:clrMapOvr>
     <a:masterClrMapping/>
   </p:clrMapOvr>
+  <p:timing>
+    <p:tnLst>
+      <p:par>
+        <p:cTn id="1" dur="indefinite" restart="never" nodeType="tmRoot"/>
+      </p:par>
+    </p:tnLst>
+  </p:timing>
 </p:sld>
 </file>
 
@@ -14481,6 +14919,13 @@
   <p:clrMapOvr>
     <a:masterClrMapping/>
   </p:clrMapOvr>
+  <p:timing>
+    <p:tnLst>
+      <p:par>
+        <p:cTn id="1" dur="indefinite" restart="never" nodeType="tmRoot"/>
+      </p:par>
+    </p:tnLst>
+  </p:timing>
 </p:sld>
 </file>
 
@@ -14613,6 +15058,13 @@
   <p:clrMapOvr>
     <a:masterClrMapping/>
   </p:clrMapOvr>
+  <p:timing>
+    <p:tnLst>
+      <p:par>
+        <p:cTn id="1" dur="indefinite" restart="never" nodeType="tmRoot"/>
+      </p:par>
+    </p:tnLst>
+  </p:timing>
 </p:sld>
 </file>
 
@@ -14702,6 +15154,13 @@
   <p:clrMapOvr>
     <a:masterClrMapping/>
   </p:clrMapOvr>
+  <p:timing>
+    <p:tnLst>
+      <p:par>
+        <p:cTn id="1" dur="indefinite" restart="never" nodeType="tmRoot"/>
+      </p:par>
+    </p:tnLst>
+  </p:timing>
 </p:sld>
 </file>
 
@@ -14807,6 +15266,13 @@
   <p:clrMapOvr>
     <a:masterClrMapping/>
   </p:clrMapOvr>
+  <p:timing>
+    <p:tnLst>
+      <p:par>
+        <p:cTn id="1" dur="indefinite" restart="never" nodeType="tmRoot"/>
+      </p:par>
+    </p:tnLst>
+  </p:timing>
 </p:sld>
 </file>
 
@@ -14943,6 +15409,13 @@
   <p:clrMapOvr>
     <a:masterClrMapping/>
   </p:clrMapOvr>
+  <p:timing>
+    <p:tnLst>
+      <p:par>
+        <p:cTn id="1" dur="indefinite" restart="never" nodeType="tmRoot"/>
+      </p:par>
+    </p:tnLst>
+  </p:timing>
 </p:sld>
 </file>
 
@@ -15073,6 +15546,13 @@
   <p:clrMapOvr>
     <a:masterClrMapping/>
   </p:clrMapOvr>
+  <p:timing>
+    <p:tnLst>
+      <p:par>
+        <p:cTn id="1" dur="indefinite" restart="never" nodeType="tmRoot"/>
+      </p:par>
+    </p:tnLst>
+  </p:timing>
 </p:sld>
 </file>
 
@@ -15186,6 +15666,13 @@
   <p:clrMapOvr>
     <a:masterClrMapping/>
   </p:clrMapOvr>
+  <p:timing>
+    <p:tnLst>
+      <p:par>
+        <p:cTn id="1" dur="indefinite" restart="never" nodeType="tmRoot"/>
+      </p:par>
+    </p:tnLst>
+  </p:timing>
 </p:sld>
 </file>
 
@@ -15448,6 +15935,13 @@
   <p:clrMapOvr>
     <a:masterClrMapping/>
   </p:clrMapOvr>
+  <p:timing>
+    <p:tnLst>
+      <p:par>
+        <p:cTn id="1" dur="indefinite" restart="never" nodeType="tmRoot"/>
+      </p:par>
+    </p:tnLst>
+  </p:timing>
 </p:sld>
 </file>
 
@@ -15582,6 +16076,13 @@
   <p:clrMapOvr>
     <a:masterClrMapping/>
   </p:clrMapOvr>
+  <p:timing>
+    <p:tnLst>
+      <p:par>
+        <p:cTn id="1" dur="indefinite" restart="never" nodeType="tmRoot"/>
+      </p:par>
+    </p:tnLst>
+  </p:timing>
 </p:sld>
 </file>
 
@@ -15844,6 +16345,13 @@
   <p:clrMapOvr>
     <a:masterClrMapping/>
   </p:clrMapOvr>
+  <p:timing>
+    <p:tnLst>
+      <p:par>
+        <p:cTn id="1" dur="indefinite" restart="never" nodeType="tmRoot"/>
+      </p:par>
+    </p:tnLst>
+  </p:timing>
 </p:sld>
 </file>
 
@@ -15941,6 +16449,13 @@
   <p:clrMapOvr>
     <a:masterClrMapping/>
   </p:clrMapOvr>
+  <p:timing>
+    <p:tnLst>
+      <p:par>
+        <p:cTn id="1" dur="indefinite" restart="never" nodeType="tmRoot"/>
+      </p:par>
+    </p:tnLst>
+  </p:timing>
 </p:sld>
 </file>
 
@@ -16203,6 +16718,13 @@
   <p:clrMapOvr>
     <a:masterClrMapping/>
   </p:clrMapOvr>
+  <p:timing>
+    <p:tnLst>
+      <p:par>
+        <p:cTn id="1" dur="indefinite" restart="never" nodeType="tmRoot"/>
+      </p:par>
+    </p:tnLst>
+  </p:timing>
 </p:sld>
 </file>
 
@@ -16347,6 +16869,13 @@
   <p:clrMapOvr>
     <a:masterClrMapping/>
   </p:clrMapOvr>
+  <p:timing>
+    <p:tnLst>
+      <p:par>
+        <p:cTn id="1" dur="indefinite" restart="never" nodeType="tmRoot"/>
+      </p:par>
+    </p:tnLst>
+  </p:timing>
 </p:sld>
 </file>
 
@@ -16453,6 +16982,13 @@
   <p:clrMapOvr>
     <a:masterClrMapping/>
   </p:clrMapOvr>
+  <p:timing>
+    <p:tnLst>
+      <p:par>
+        <p:cTn id="1" dur="indefinite" restart="never" nodeType="tmRoot"/>
+      </p:par>
+    </p:tnLst>
+  </p:timing>
 </p:sld>
 </file>
 
@@ -16594,6 +17130,13 @@
   <p:clrMapOvr>
     <a:masterClrMapping/>
   </p:clrMapOvr>
+  <p:timing>
+    <p:tnLst>
+      <p:par>
+        <p:cTn id="1" dur="indefinite" restart="never" nodeType="tmRoot"/>
+      </p:par>
+    </p:tnLst>
+  </p:timing>
 </p:sld>
 </file>
 
@@ -16727,6 +17270,13 @@
   <p:clrMapOvr>
     <a:masterClrMapping/>
   </p:clrMapOvr>
+  <p:timing>
+    <p:tnLst>
+      <p:par>
+        <p:cTn id="1" dur="indefinite" restart="never" nodeType="tmRoot"/>
+      </p:par>
+    </p:tnLst>
+  </p:timing>
 </p:sld>
 </file>
 
@@ -16989,6 +17539,13 @@
   <p:clrMapOvr>
     <a:masterClrMapping/>
   </p:clrMapOvr>
+  <p:timing>
+    <p:tnLst>
+      <p:par>
+        <p:cTn id="1" dur="indefinite" restart="never" nodeType="tmRoot"/>
+      </p:par>
+    </p:tnLst>
+  </p:timing>
 </p:sld>
 </file>
 
@@ -17087,6 +17644,13 @@
   <p:clrMapOvr>
     <a:masterClrMapping/>
   </p:clrMapOvr>
+  <p:timing>
+    <p:tnLst>
+      <p:par>
+        <p:cTn id="1" dur="indefinite" restart="never" nodeType="tmRoot"/>
+      </p:par>
+    </p:tnLst>
+  </p:timing>
 </p:sld>
 </file>
 
@@ -17219,6 +17783,13 @@
   <p:clrMapOvr>
     <a:masterClrMapping/>
   </p:clrMapOvr>
+  <p:timing>
+    <p:tnLst>
+      <p:par>
+        <p:cTn id="1" dur="indefinite" restart="never" nodeType="tmRoot"/>
+      </p:par>
+    </p:tnLst>
+  </p:timing>
 </p:sld>
 </file>
 
@@ -17404,6 +17975,21 @@
   <p:clrMapOvr>
     <a:masterClrMapping/>
   </p:clrMapOvr>
+  <mc:AlternateContent xmlns:mc="http://schemas.openxmlformats.org/markup-compatibility/2006">
+    <mc:Choice xmlns:p14="http://schemas.microsoft.com/office/powerpoint/2010/main" Requires="p14">
+      <p:transition spd="slow" p14:dur="2000"/>
+    </mc:Choice>
+    <mc:Fallback>
+      <p:transition spd="slow"/>
+    </mc:Fallback>
+  </mc:AlternateContent>
+  <p:timing>
+    <p:tnLst>
+      <p:par>
+        <p:cTn id="1" dur="indefinite" restart="never" nodeType="tmRoot"/>
+      </p:par>
+    </p:tnLst>
+  </p:timing>
 </p:sld>
 </file>
 
@@ -17476,6 +18062,579 @@
   <p:clrMapOvr>
     <a:masterClrMapping/>
   </p:clrMapOvr>
+  <mc:AlternateContent xmlns:mc="http://schemas.openxmlformats.org/markup-compatibility/2006">
+    <mc:Choice xmlns:p14="http://schemas.microsoft.com/office/powerpoint/2010/main" Requires="p14">
+      <p:transition spd="slow" p14:dur="2000"/>
+    </mc:Choice>
+    <mc:Fallback>
+      <p:transition spd="slow"/>
+    </mc:Fallback>
+  </mc:AlternateContent>
+  <p:timing>
+    <p:tnLst>
+      <p:par>
+        <p:cTn id="1" dur="indefinite" restart="never" nodeType="tmRoot"/>
+      </p:par>
+    </p:tnLst>
+  </p:timing>
+</p:sld>
+</file>
+
+<file path=ppt/slides/slide87.xml><?xml version="1.0" encoding="utf-8"?>
+<p:sld xmlns:a="http://schemas.openxmlformats.org/drawingml/2006/main" xmlns:r="http://schemas.openxmlformats.org/officeDocument/2006/relationships" xmlns:p="http://schemas.openxmlformats.org/presentationml/2006/main">
+  <p:cSld>
+    <p:spTree>
+      <p:nvGrpSpPr>
+        <p:cNvPr id="1" name=""/>
+        <p:cNvGrpSpPr/>
+        <p:nvPr/>
+      </p:nvGrpSpPr>
+      <p:grpSpPr>
+        <a:xfrm>
+          <a:off x="0" y="0"/>
+          <a:ext cx="0" cy="0"/>
+          <a:chOff x="0" y="0"/>
+          <a:chExt cx="0" cy="0"/>
+        </a:xfrm>
+      </p:grpSpPr>
+      <p:sp>
+        <p:nvSpPr>
+          <p:cNvPr id="5" name="TextBox 4"/>
+          <p:cNvSpPr txBox="1"/>
+          <p:nvPr>
+            <p:custDataLst>
+              <p:tags r:id="rId2"/>
+            </p:custDataLst>
+          </p:nvPr>
+        </p:nvSpPr>
+        <p:spPr>
+          <a:xfrm>
+            <a:off x="914400" y="635000"/>
+            <a:ext cx="7315200" cy="1607344"/>
+          </a:xfrm>
+          <a:prstGeom prst="rect">
+            <a:avLst/>
+          </a:prstGeom>
+          <a:noFill/>
+        </p:spPr>
+        <p:txBody>
+          <a:bodyPr vert="horz" wrap="square" rtlCol="0" anchor="ctr" anchorCtr="0">
+            <a:noAutofit/>
+          </a:bodyPr>
+          <a:lstStyle/>
+          <a:p>
+            <a:r>
+              <a:rPr lang="zh-CN" altLang="en-US" sz="2600" smtClean="0">
+                <a:solidFill>
+                  <a:srgbClr val="000000"/>
+                </a:solidFill>
+                <a:latin typeface="Microsoft Yahei"/>
+                <a:ea typeface="Microsoft Yahei"/>
+                <a:sym typeface="Microsoft Yahei"/>
+              </a:rPr>
+              <a:t>请将课下练习遇到的问题详情发过来。</a:t>
+            </a:r>
+            <a:endParaRPr lang="zh-CN" altLang="en-US" sz="2600" dirty="0">
+              <a:solidFill>
+                <a:srgbClr val="000000"/>
+              </a:solidFill>
+              <a:latin typeface="Microsoft Yahei"/>
+              <a:ea typeface="Microsoft Yahei"/>
+              <a:sym typeface="Microsoft Yahei"/>
+            </a:endParaRPr>
+          </a:p>
+        </p:txBody>
+      </p:sp>
+      <p:sp>
+        <p:nvSpPr>
+          <p:cNvPr id="6" name="圆角矩形 5"/>
+          <p:cNvSpPr/>
+          <p:nvPr>
+            <p:custDataLst>
+              <p:tags r:id="rId3"/>
+            </p:custDataLst>
+          </p:nvPr>
+        </p:nvSpPr>
+        <p:spPr>
+          <a:xfrm>
+            <a:off x="6686550" y="4661297"/>
+            <a:ext cx="1157288" cy="308610"/>
+          </a:xfrm>
+          <a:prstGeom prst="roundRect">
+            <a:avLst/>
+          </a:prstGeom>
+          <a:solidFill>
+            <a:srgbClr val="808080"/>
+          </a:solidFill>
+          <a:ln w="38100" cmpd="sng">
+            <a:solidFill>
+              <a:srgbClr val="000000"/>
+            </a:solidFill>
+            <a:prstDash val="solid"/>
+          </a:ln>
+        </p:spPr>
+        <p:style>
+          <a:lnRef idx="2">
+            <a:schemeClr val="accent1">
+              <a:shade val="50000"/>
+            </a:schemeClr>
+          </a:lnRef>
+          <a:fillRef idx="1">
+            <a:schemeClr val="accent1"/>
+          </a:fillRef>
+          <a:effectRef idx="0">
+            <a:schemeClr val="accent1"/>
+          </a:effectRef>
+          <a:fontRef idx="minor">
+            <a:schemeClr val="lt1"/>
+          </a:fontRef>
+        </p:style>
+        <p:txBody>
+          <a:bodyPr rtlCol="0" anchor="ctr" anchorCtr="1"/>
+          <a:lstStyle/>
+          <a:p>
+            <a:pPr algn="ctr"/>
+            <a:r>
+              <a:rPr lang="zh-CN" altLang="en-US" sz="1600" smtClean="0">
+                <a:solidFill>
+                  <a:srgbClr val="FFFFFF"/>
+                </a:solidFill>
+                <a:latin typeface="Microsoft Yahei"/>
+                <a:ea typeface="Microsoft Yahei"/>
+                <a:sym typeface="Microsoft Yahei"/>
+              </a:rPr>
+              <a:t>作答</a:t>
+            </a:r>
+            <a:endParaRPr lang="zh-CN" altLang="en-US" sz="1600">
+              <a:solidFill>
+                <a:srgbClr val="FFFFFF"/>
+              </a:solidFill>
+              <a:latin typeface="Microsoft Yahei"/>
+              <a:ea typeface="Microsoft Yahei"/>
+              <a:sym typeface="Microsoft Yahei"/>
+            </a:endParaRPr>
+          </a:p>
+        </p:txBody>
+      </p:sp>
+      <p:sp>
+        <p:nvSpPr>
+          <p:cNvPr id="12" name="矩形 11"/>
+          <p:cNvSpPr/>
+          <p:nvPr>
+            <p:custDataLst>
+              <p:tags r:id="rId4"/>
+            </p:custDataLst>
+          </p:nvPr>
+        </p:nvSpPr>
+        <p:spPr>
+          <a:xfrm>
+            <a:off x="0" y="4295537"/>
+            <a:ext cx="9144000" cy="365760"/>
+          </a:xfrm>
+          <a:prstGeom prst="rect">
+            <a:avLst/>
+          </a:prstGeom>
+          <a:solidFill>
+            <a:srgbClr val="FBFAEF"/>
+          </a:solidFill>
+          <a:ln w="25400" cap="flat" cmpd="sng" algn="ctr">
+            <a:noFill/>
+            <a:prstDash val="solid"/>
+          </a:ln>
+          <a:effectLst/>
+          <a:extLst>
+            <a:ext uri="{91240B29-F687-4F45-9708-019B960494DF}">
+              <a14:hiddenLine xmlns:a14="http://schemas.microsoft.com/office/drawing/2010/main" w="25400" cap="flat" cmpd="sng" algn="ctr">
+                <a:solidFill>
+                  <a:schemeClr val="accent1">
+                    <a:shade val="50000"/>
+                  </a:schemeClr>
+                </a:solidFill>
+                <a:prstDash val="solid"/>
+              </a14:hiddenLine>
+            </a:ext>
+          </a:extLst>
+        </p:spPr>
+        <p:style>
+          <a:lnRef idx="2">
+            <a:schemeClr val="accent1">
+              <a:shade val="50000"/>
+            </a:schemeClr>
+          </a:lnRef>
+          <a:fillRef idx="1">
+            <a:schemeClr val="accent1"/>
+          </a:fillRef>
+          <a:effectRef idx="0">
+            <a:schemeClr val="accent1"/>
+          </a:effectRef>
+          <a:fontRef idx="minor">
+            <a:schemeClr val="lt1"/>
+          </a:fontRef>
+        </p:style>
+        <p:txBody>
+          <a:bodyPr wrap="none" rtlCol="0" anchor="ctr" anchorCtr="1"/>
+          <a:lstStyle/>
+          <a:p>
+            <a:r>
+              <a:rPr lang="zh-CN" altLang="en-US" sz="1200" smtClean="0">
+                <a:solidFill>
+                  <a:srgbClr val="F84F41"/>
+                </a:solidFill>
+                <a:latin typeface="Microsoft Yahei"/>
+                <a:ea typeface="Microsoft Yahei"/>
+                <a:sym typeface="Microsoft Yahei"/>
+              </a:rPr>
+              <a:t>正常使用主观题需</a:t>
+            </a:r>
+            <a:r>
+              <a:rPr lang="en-US" altLang="zh-CN" sz="1200" smtClean="0">
+                <a:solidFill>
+                  <a:srgbClr val="F84F41"/>
+                </a:solidFill>
+                <a:latin typeface="Microsoft Yahei"/>
+                <a:ea typeface="Microsoft Yahei"/>
+                <a:sym typeface="Microsoft Yahei"/>
+              </a:rPr>
+              <a:t>2.0</a:t>
+            </a:r>
+            <a:r>
+              <a:rPr lang="zh-CN" altLang="en-US" sz="1200" smtClean="0">
+                <a:solidFill>
+                  <a:srgbClr val="F84F41"/>
+                </a:solidFill>
+                <a:latin typeface="Microsoft Yahei"/>
+                <a:ea typeface="Microsoft Yahei"/>
+                <a:sym typeface="Microsoft Yahei"/>
+              </a:rPr>
+              <a:t>以上版本雨课堂</a:t>
+            </a:r>
+            <a:endParaRPr lang="zh-CN" altLang="en-US" sz="1200">
+              <a:solidFill>
+                <a:srgbClr val="F84F41"/>
+              </a:solidFill>
+              <a:latin typeface="Microsoft Yahei"/>
+              <a:ea typeface="Microsoft Yahei"/>
+              <a:sym typeface="Microsoft Yahei"/>
+            </a:endParaRPr>
+          </a:p>
+        </p:txBody>
+      </p:sp>
+      <p:grpSp>
+        <p:nvGrpSpPr>
+          <p:cNvPr id="11" name="组合 10"/>
+          <p:cNvGrpSpPr/>
+          <p:nvPr>
+            <p:custDataLst>
+              <p:tags r:id="rId5"/>
+            </p:custDataLst>
+          </p:nvPr>
+        </p:nvGrpSpPr>
+        <p:grpSpPr>
+          <a:xfrm>
+            <a:off x="0" y="0"/>
+            <a:ext cx="9144000" cy="635000"/>
+            <a:chOff x="0" y="0"/>
+            <a:chExt cx="9144000" cy="635000"/>
+          </a:xfrm>
+        </p:grpSpPr>
+        <p:sp>
+          <p:nvSpPr>
+            <p:cNvPr id="7" name="TitleBackground"/>
+            <p:cNvSpPr/>
+            <p:nvPr>
+              <p:custDataLst>
+                <p:tags r:id="rId7"/>
+              </p:custDataLst>
+            </p:nvPr>
+          </p:nvSpPr>
+          <p:spPr>
+            <a:xfrm>
+              <a:off x="0" y="0"/>
+              <a:ext cx="9144000" cy="635000"/>
+            </a:xfrm>
+            <a:prstGeom prst="rect">
+              <a:avLst/>
+            </a:prstGeom>
+            <a:solidFill>
+              <a:srgbClr val="F6F7F8"/>
+            </a:solidFill>
+            <a:ln w="25400" cap="flat" cmpd="sng" algn="ctr">
+              <a:noFill/>
+              <a:prstDash val="solid"/>
+            </a:ln>
+            <a:effectLst/>
+            <a:extLst>
+              <a:ext uri="{91240B29-F687-4F45-9708-019B960494DF}">
+                <a14:hiddenLine xmlns:a14="http://schemas.microsoft.com/office/drawing/2010/main" w="25400" cap="flat" cmpd="sng" algn="ctr">
+                  <a:solidFill>
+                    <a:schemeClr val="accent1">
+                      <a:shade val="50000"/>
+                    </a:schemeClr>
+                  </a:solidFill>
+                  <a:prstDash val="solid"/>
+                </a14:hiddenLine>
+              </a:ext>
+            </a:extLst>
+          </p:spPr>
+          <p:style>
+            <a:lnRef idx="2">
+              <a:schemeClr val="accent1">
+                <a:shade val="50000"/>
+              </a:schemeClr>
+            </a:lnRef>
+            <a:fillRef idx="1">
+              <a:schemeClr val="accent1"/>
+            </a:fillRef>
+            <a:effectRef idx="0">
+              <a:schemeClr val="accent1"/>
+            </a:effectRef>
+            <a:fontRef idx="minor">
+              <a:schemeClr val="lt1"/>
+            </a:fontRef>
+          </p:style>
+          <p:txBody>
+            <a:bodyPr rtlCol="0" anchor="ctr"/>
+            <a:lstStyle/>
+            <a:p>
+              <a:pPr algn="ctr"/>
+              <a:endParaRPr lang="zh-CN" altLang="en-US"/>
+            </a:p>
+          </p:txBody>
+        </p:sp>
+        <p:sp>
+          <p:nvSpPr>
+            <p:cNvPr id="8" name="ColorBlock"/>
+            <p:cNvSpPr/>
+            <p:nvPr>
+              <p:custDataLst>
+                <p:tags r:id="rId8"/>
+              </p:custDataLst>
+            </p:nvPr>
+          </p:nvSpPr>
+          <p:spPr>
+            <a:xfrm>
+              <a:off x="0" y="0"/>
+              <a:ext cx="190500" cy="635000"/>
+            </a:xfrm>
+            <a:prstGeom prst="rect">
+              <a:avLst/>
+            </a:prstGeom>
+            <a:solidFill>
+              <a:srgbClr val="639EF4"/>
+            </a:solidFill>
+            <a:ln w="25400" cap="flat" cmpd="sng" algn="ctr">
+              <a:noFill/>
+              <a:prstDash val="solid"/>
+            </a:ln>
+            <a:effectLst/>
+            <a:extLst>
+              <a:ext uri="{91240B29-F687-4F45-9708-019B960494DF}">
+                <a14:hiddenLine xmlns:a14="http://schemas.microsoft.com/office/drawing/2010/main" w="25400" cap="flat" cmpd="sng" algn="ctr">
+                  <a:solidFill>
+                    <a:schemeClr val="accent1">
+                      <a:shade val="50000"/>
+                    </a:schemeClr>
+                  </a:solidFill>
+                  <a:prstDash val="solid"/>
+                </a14:hiddenLine>
+              </a:ext>
+            </a:extLst>
+          </p:spPr>
+          <p:style>
+            <a:lnRef idx="2">
+              <a:schemeClr val="accent1">
+                <a:shade val="50000"/>
+              </a:schemeClr>
+            </a:lnRef>
+            <a:fillRef idx="1">
+              <a:schemeClr val="accent1"/>
+            </a:fillRef>
+            <a:effectRef idx="0">
+              <a:schemeClr val="accent1"/>
+            </a:effectRef>
+            <a:fontRef idx="minor">
+              <a:schemeClr val="lt1"/>
+            </a:fontRef>
+          </p:style>
+          <p:txBody>
+            <a:bodyPr rtlCol="0" anchor="ctr"/>
+            <a:lstStyle/>
+            <a:p>
+              <a:pPr algn="ctr"/>
+              <a:endParaRPr lang="zh-CN" altLang="en-US"/>
+            </a:p>
+          </p:txBody>
+        </p:sp>
+        <p:sp>
+          <p:nvSpPr>
+            <p:cNvPr id="9" name="TypeText"/>
+            <p:cNvSpPr txBox="1"/>
+            <p:nvPr>
+              <p:custDataLst>
+                <p:tags r:id="rId9"/>
+              </p:custDataLst>
+            </p:nvPr>
+          </p:nvSpPr>
+          <p:spPr>
+            <a:xfrm>
+              <a:off x="254000" y="0"/>
+              <a:ext cx="1905000" cy="635000"/>
+            </a:xfrm>
+            <a:prstGeom prst="rect">
+              <a:avLst/>
+            </a:prstGeom>
+            <a:noFill/>
+          </p:spPr>
+          <p:txBody>
+            <a:bodyPr vert="horz" wrap="none" rtlCol="0" anchor="ctr" anchorCtr="0">
+              <a:noAutofit/>
+            </a:bodyPr>
+            <a:lstStyle/>
+            <a:p>
+              <a:r>
+                <a:rPr lang="zh-CN" altLang="en-US" sz="2600" smtClean="0">
+                  <a:solidFill>
+                    <a:srgbClr val="000000"/>
+                  </a:solidFill>
+                  <a:latin typeface="Microsoft Yahei"/>
+                  <a:ea typeface="Microsoft Yahei"/>
+                  <a:sym typeface="Microsoft Yahei"/>
+                </a:rPr>
+                <a:t>主观题</a:t>
+              </a:r>
+              <a:endParaRPr lang="zh-CN" altLang="en-US" sz="2600">
+                <a:solidFill>
+                  <a:srgbClr val="000000"/>
+                </a:solidFill>
+                <a:latin typeface="Microsoft Yahei"/>
+                <a:ea typeface="Microsoft Yahei"/>
+                <a:sym typeface="Microsoft Yahei"/>
+              </a:endParaRPr>
+            </a:p>
+          </p:txBody>
+        </p:sp>
+        <p:sp>
+          <p:nvSpPr>
+            <p:cNvPr id="10" name="TipText"/>
+            <p:cNvSpPr txBox="1"/>
+            <p:nvPr>
+              <p:custDataLst>
+                <p:tags r:id="rId10"/>
+              </p:custDataLst>
+            </p:nvPr>
+          </p:nvSpPr>
+          <p:spPr>
+            <a:xfrm>
+              <a:off x="1525905" y="109220"/>
+              <a:ext cx="2286000" cy="508000"/>
+            </a:xfrm>
+            <a:prstGeom prst="rect">
+              <a:avLst/>
+            </a:prstGeom>
+            <a:noFill/>
+          </p:spPr>
+          <p:txBody>
+            <a:bodyPr vert="horz" wrap="none" rtlCol="0" anchor="ctr" anchorCtr="0">
+              <a:noAutofit/>
+            </a:bodyPr>
+            <a:lstStyle/>
+            <a:p>
+              <a:r>
+                <a:rPr lang="en-US" altLang="zh-CN" sz="2000" dirty="0" smtClean="0">
+                  <a:solidFill>
+                    <a:srgbClr val="808080"/>
+                  </a:solidFill>
+                  <a:latin typeface="Microsoft Yahei"/>
+                  <a:ea typeface="Microsoft Yahei"/>
+                  <a:sym typeface="Microsoft Yahei"/>
+                </a:rPr>
+                <a:t>1</a:t>
+              </a:r>
+              <a:r>
+                <a:rPr lang="zh-CN" altLang="en-US" sz="2000" dirty="0" smtClean="0">
+                  <a:solidFill>
+                    <a:srgbClr val="808080"/>
+                  </a:solidFill>
+                  <a:latin typeface="Microsoft Yahei"/>
+                  <a:ea typeface="Microsoft Yahei"/>
+                  <a:sym typeface="Microsoft Yahei"/>
+                </a:rPr>
+                <a:t>分</a:t>
+              </a:r>
+              <a:endParaRPr lang="zh-CN" altLang="en-US" sz="2000" dirty="0">
+                <a:solidFill>
+                  <a:srgbClr val="808080"/>
+                </a:solidFill>
+                <a:latin typeface="Microsoft Yahei"/>
+                <a:ea typeface="Microsoft Yahei"/>
+                <a:sym typeface="Microsoft Yahei"/>
+              </a:endParaRPr>
+            </a:p>
+          </p:txBody>
+        </p:sp>
+      </p:grpSp>
+      <p:pic>
+        <p:nvPicPr>
+          <p:cNvPr id="4" name="图片 3"/>
+          <p:cNvPicPr>
+            <a:picLocks/>
+          </p:cNvPicPr>
+          <p:nvPr>
+            <p:custDataLst>
+              <p:tags r:id="rId6"/>
+            </p:custDataLst>
+          </p:nvPr>
+        </p:nvPicPr>
+        <p:blipFill>
+          <a:blip r:embed="rId12">
+            <a:extLst>
+              <a:ext uri="{28A0092B-C50C-407E-A947-70E740481C1C}">
+                <a14:useLocalDpi xmlns:a14="http://schemas.microsoft.com/office/drawing/2010/main" val="0"/>
+              </a:ext>
+            </a:extLst>
+          </a:blip>
+          <a:stretch>
+            <a:fillRect/>
+          </a:stretch>
+        </p:blipFill>
+        <p:spPr>
+          <a:xfrm>
+            <a:off x="7594600" y="63500"/>
+            <a:ext cx="1422400" cy="508000"/>
+          </a:xfrm>
+          <a:prstGeom prst="rect">
+            <a:avLst/>
+          </a:prstGeom>
+        </p:spPr>
+      </p:pic>
+    </p:spTree>
+    <p:custDataLst>
+      <p:tags r:id="rId1"/>
+    </p:custDataLst>
+    <p:extLst>
+      <p:ext uri="{BB962C8B-B14F-4D97-AF65-F5344CB8AC3E}">
+        <p14:creationId xmlns:p14="http://schemas.microsoft.com/office/powerpoint/2010/main" val="166347580"/>
+      </p:ext>
+    </p:extLst>
+  </p:cSld>
+  <p:clrMapOvr>
+    <a:masterClrMapping/>
+  </p:clrMapOvr>
+  <mc:AlternateContent xmlns:mc="http://schemas.openxmlformats.org/markup-compatibility/2006">
+    <mc:Choice xmlns:p14="http://schemas.microsoft.com/office/powerpoint/2010/main" Requires="p14">
+      <p:transition spd="slow" p14:dur="999"/>
+    </mc:Choice>
+    <mc:Fallback>
+      <p:transition spd="slow"/>
+    </mc:Fallback>
+  </mc:AlternateContent>
+  <p:timing>
+    <p:tnLst>
+      <p:par>
+        <p:cTn id="1" dur="indefinite" restart="never" nodeType="tmRoot"/>
+      </p:par>
+    </p:tnLst>
+  </p:timing>
 </p:sld>
 </file>
 
@@ -17588,7 +18747,15 @@
             </a:r>
             <a:r>
               <a:rPr lang="zh-CN" altLang="zh-CN" dirty="0"/>
-              <a:t>来对游戏对象进行控制的过程中，需要按照现有信息推理得到对象的行为，比较常用的方法是是有限状态机、规则系统</a:t>
+              <a:t>来对游戏对象进行控制的过程中，需要按照现有信息推理得到对象的行为，比较常用的方法</a:t>
+            </a:r>
+            <a:r>
+              <a:rPr lang="zh-CN" altLang="zh-CN" dirty="0" smtClean="0"/>
+              <a:t>是有限状态机</a:t>
+            </a:r>
+            <a:r>
+              <a:rPr lang="zh-CN" altLang="zh-CN" dirty="0"/>
+              <a:t>、规则系统</a:t>
             </a:r>
             <a:r>
               <a:rPr lang="zh-CN" altLang="zh-CN" dirty="0" smtClean="0"/>
@@ -17608,7 +18775,78 @@
   <p:clrMapOvr>
     <a:masterClrMapping/>
   </p:clrMapOvr>
+  <p:timing>
+    <p:tnLst>
+      <p:par>
+        <p:cTn id="1" dur="indefinite" restart="never" nodeType="tmRoot"/>
+      </p:par>
+    </p:tnLst>
+  </p:timing>
 </p:sld>
+</file>
+
+<file path=ppt/tags/tag1.xml><?xml version="1.0" encoding="utf-8"?>
+<p:tagLst xmlns:a="http://schemas.openxmlformats.org/drawingml/2006/main" xmlns:r="http://schemas.openxmlformats.org/officeDocument/2006/relationships" xmlns:p="http://schemas.openxmlformats.org/presentationml/2006/main">
+  <p:tag name="RAINPROBLEM" val="ShortAnswer"/>
+  <p:tag name="PROBLEMSCORE" val="1.0"/>
+  <p:tag name="PROBLEMVOICEALLOWED" val="False"/>
+</p:tagLst>
+</file>
+
+<file path=ppt/tags/tag10.xml><?xml version="1.0" encoding="utf-8"?>
+<p:tagLst xmlns:a="http://schemas.openxmlformats.org/drawingml/2006/main" xmlns:r="http://schemas.openxmlformats.org/officeDocument/2006/relationships" xmlns:p="http://schemas.openxmlformats.org/presentationml/2006/main">
+  <p:tag name="RAINPROBLEMTYPE" val="ProblemTypeMarker"/>
+</p:tagLst>
+</file>
+
+<file path=ppt/tags/tag2.xml><?xml version="1.0" encoding="utf-8"?>
+<p:tagLst xmlns:a="http://schemas.openxmlformats.org/drawingml/2006/main" xmlns:r="http://schemas.openxmlformats.org/officeDocument/2006/relationships" xmlns:p="http://schemas.openxmlformats.org/presentationml/2006/main">
+  <p:tag name="RAINPROBLEM" val="ProblemBody"/>
+</p:tagLst>
+</file>
+
+<file path=ppt/tags/tag3.xml><?xml version="1.0" encoding="utf-8"?>
+<p:tagLst xmlns:a="http://schemas.openxmlformats.org/drawingml/2006/main" xmlns:r="http://schemas.openxmlformats.org/officeDocument/2006/relationships" xmlns:p="http://schemas.openxmlformats.org/presentationml/2006/main">
+  <p:tag name="RAINPROBLEM" val="ProblemSubmit"/>
+  <p:tag name="RAINPROBLEMTYPE" val="ShortAnswer"/>
+</p:tagLst>
+</file>
+
+<file path=ppt/tags/tag4.xml><?xml version="1.0" encoding="utf-8"?>
+<p:tagLst xmlns:a="http://schemas.openxmlformats.org/drawingml/2006/main" xmlns:r="http://schemas.openxmlformats.org/officeDocument/2006/relationships" xmlns:p="http://schemas.openxmlformats.org/presentationml/2006/main">
+  <p:tag name="PRODUCTVERSIONTIP" val="PRODUCTVERSIONTIP"/>
+</p:tagLst>
+</file>
+
+<file path=ppt/tags/tag5.xml><?xml version="1.0" encoding="utf-8"?>
+<p:tagLst xmlns:a="http://schemas.openxmlformats.org/drawingml/2006/main" xmlns:r="http://schemas.openxmlformats.org/officeDocument/2006/relationships" xmlns:p="http://schemas.openxmlformats.org/presentationml/2006/main">
+  <p:tag name="RAINPROBLEMTYPE" val="ProblemTypeMarker"/>
+</p:tagLst>
+</file>
+
+<file path=ppt/tags/tag6.xml><?xml version="1.0" encoding="utf-8"?>
+<p:tagLst xmlns:a="http://schemas.openxmlformats.org/drawingml/2006/main" xmlns:r="http://schemas.openxmlformats.org/officeDocument/2006/relationships" xmlns:p="http://schemas.openxmlformats.org/presentationml/2006/main">
+  <p:tag name="RAINPROBLEM" val="ProblemSetting"/>
+  <p:tag name="RAINPROBLEMTYPE" val="ShortAnswer"/>
+</p:tagLst>
+</file>
+
+<file path=ppt/tags/tag7.xml><?xml version="1.0" encoding="utf-8"?>
+<p:tagLst xmlns:a="http://schemas.openxmlformats.org/drawingml/2006/main" xmlns:r="http://schemas.openxmlformats.org/officeDocument/2006/relationships" xmlns:p="http://schemas.openxmlformats.org/presentationml/2006/main">
+  <p:tag name="RAINPROBLEMTYPE" val="ProblemTypeMarker"/>
+</p:tagLst>
+</file>
+
+<file path=ppt/tags/tag8.xml><?xml version="1.0" encoding="utf-8"?>
+<p:tagLst xmlns:a="http://schemas.openxmlformats.org/drawingml/2006/main" xmlns:r="http://schemas.openxmlformats.org/officeDocument/2006/relationships" xmlns:p="http://schemas.openxmlformats.org/presentationml/2006/main">
+  <p:tag name="RAINPROBLEMTYPE" val="ProblemTypeMarker"/>
+</p:tagLst>
+</file>
+
+<file path=ppt/tags/tag9.xml><?xml version="1.0" encoding="utf-8"?>
+<p:tagLst xmlns:a="http://schemas.openxmlformats.org/drawingml/2006/main" xmlns:r="http://schemas.openxmlformats.org/officeDocument/2006/relationships" xmlns:p="http://schemas.openxmlformats.org/presentationml/2006/main">
+  <p:tag name="RAINPROBLEMTYPE" val="ProblemTypeMarker"/>
+</p:tagLst>
 </file>
 
 <file path=ppt/theme/theme1.xml><?xml version="1.0" encoding="utf-8"?>
